--- a/XrayAbsorbtion/CDIFMetadataForXAS.pptx
+++ b/XrayAbsorbtion/CDIFMetadataForXAS.pptx
@@ -120,266 +120,23 @@
 </p:presentation>
 </file>
 
-<file path=ppt/revisionInfo.xml><?xml version="1.0" encoding="utf-8"?>
-<p1510:revInfo xmlns:a="http://schemas.openxmlformats.org/drawingml/2006/main" xmlns:r="http://schemas.openxmlformats.org/officeDocument/2006/relationships" xmlns:p1510="http://schemas.microsoft.com/office/powerpoint/2015/10/main">
-  <p1510:revLst>
-    <p1510:client id="{0A11CC00-4ABB-4B9E-B9A9-26E9D88C5DC2}" v="116" dt="2025-08-22T15:00:18.441"/>
-  </p1510:revLst>
-</p1510:revInfo>
-</file>
-
 <file path=ppt/changesInfos/changesInfo1.xml><?xml version="1.0" encoding="utf-8"?>
 <pc:chgInfo xmlns:a="http://schemas.openxmlformats.org/drawingml/2006/main" xmlns:r="http://schemas.openxmlformats.org/officeDocument/2006/relationships" xmlns:ac="http://schemas.microsoft.com/office/drawing/2013/main/command" xmlns:pc="http://schemas.microsoft.com/office/powerpoint/2013/main/command">
   <pc:docChgLst>
-    <pc:chgData name="Stephen Richard" userId="944a82e2ddcde9eb" providerId="LiveId" clId="{0A11CC00-4ABB-4B9E-B9A9-26E9D88C5DC2}"/>
-    <pc:docChg chg="undo custSel addSld delSld modSld sldOrd">
-      <pc:chgData name="Stephen Richard" userId="944a82e2ddcde9eb" providerId="LiveId" clId="{0A11CC00-4ABB-4B9E-B9A9-26E9D88C5DC2}" dt="2025-08-22T15:02:15.590" v="2038" actId="47"/>
+    <pc:chgData name="Stephen Richard" userId="944a82e2ddcde9eb" providerId="LiveId" clId="{AB78EA51-4DAA-45DE-80C8-4A89365C0722}"/>
+    <pc:docChg chg="modSld">
+      <pc:chgData name="Stephen Richard" userId="944a82e2ddcde9eb" providerId="LiveId" clId="{AB78EA51-4DAA-45DE-80C8-4A89365C0722}" dt="2025-11-17T07:11:30.817" v="69" actId="6549"/>
       <pc:docMkLst>
         <pc:docMk/>
       </pc:docMkLst>
       <pc:sldChg chg="modSp mod">
-        <pc:chgData name="Stephen Richard" userId="944a82e2ddcde9eb" providerId="LiveId" clId="{0A11CC00-4ABB-4B9E-B9A9-26E9D88C5DC2}" dt="2025-08-20T22:27:14.195" v="797" actId="20577"/>
-        <pc:sldMkLst>
-          <pc:docMk/>
-          <pc:sldMk cId="4198556853" sldId="256"/>
-        </pc:sldMkLst>
-        <pc:spChg chg="mod">
-          <ac:chgData name="Stephen Richard" userId="944a82e2ddcde9eb" providerId="LiveId" clId="{0A11CC00-4ABB-4B9E-B9A9-26E9D88C5DC2}" dt="2025-08-20T22:27:14.195" v="797" actId="20577"/>
-          <ac:spMkLst>
-            <pc:docMk/>
-            <pc:sldMk cId="4198556853" sldId="256"/>
-            <ac:spMk id="3" creationId="{91D8E3D4-5D60-B995-F455-23E493E41CB5}"/>
-          </ac:spMkLst>
-        </pc:spChg>
-      </pc:sldChg>
-      <pc:sldChg chg="modSp mod">
-        <pc:chgData name="Stephen Richard" userId="944a82e2ddcde9eb" providerId="LiveId" clId="{0A11CC00-4ABB-4B9E-B9A9-26E9D88C5DC2}" dt="2025-08-22T14:58:42.305" v="2007" actId="20577"/>
-        <pc:sldMkLst>
-          <pc:docMk/>
-          <pc:sldMk cId="3918840986" sldId="257"/>
-        </pc:sldMkLst>
-        <pc:spChg chg="mod">
-          <ac:chgData name="Stephen Richard" userId="944a82e2ddcde9eb" providerId="LiveId" clId="{0A11CC00-4ABB-4B9E-B9A9-26E9D88C5DC2}" dt="2025-08-20T22:06:25.325" v="12" actId="20577"/>
-          <ac:spMkLst>
-            <pc:docMk/>
-            <pc:sldMk cId="3918840986" sldId="257"/>
-            <ac:spMk id="2" creationId="{ADB72416-B5AD-A719-73B5-1260E59A4A16}"/>
-          </ac:spMkLst>
-        </pc:spChg>
-        <pc:spChg chg="mod">
-          <ac:chgData name="Stephen Richard" userId="944a82e2ddcde9eb" providerId="LiveId" clId="{0A11CC00-4ABB-4B9E-B9A9-26E9D88C5DC2}" dt="2025-08-22T14:58:42.305" v="2007" actId="20577"/>
-          <ac:spMkLst>
-            <pc:docMk/>
-            <pc:sldMk cId="3918840986" sldId="257"/>
-            <ac:spMk id="3" creationId="{9A032332-4EF8-062A-2CD9-BD3E0611DC52}"/>
-          </ac:spMkLst>
-        </pc:spChg>
-        <pc:picChg chg="mod">
-          <ac:chgData name="Stephen Richard" userId="944a82e2ddcde9eb" providerId="LiveId" clId="{0A11CC00-4ABB-4B9E-B9A9-26E9D88C5DC2}" dt="2025-08-20T22:27:24.865" v="799" actId="14100"/>
-          <ac:picMkLst>
-            <pc:docMk/>
-            <pc:sldMk cId="3918840986" sldId="257"/>
-            <ac:picMk id="5" creationId="{A24EF745-082A-9B7E-B722-1519DE5D094D}"/>
-          </ac:picMkLst>
-        </pc:picChg>
-      </pc:sldChg>
-      <pc:sldChg chg="del">
-        <pc:chgData name="Stephen Richard" userId="944a82e2ddcde9eb" providerId="LiveId" clId="{0A11CC00-4ABB-4B9E-B9A9-26E9D88C5DC2}" dt="2025-08-20T22:11:07.132" v="139" actId="47"/>
-        <pc:sldMkLst>
-          <pc:docMk/>
-          <pc:sldMk cId="3146509134" sldId="258"/>
-        </pc:sldMkLst>
-      </pc:sldChg>
-      <pc:sldChg chg="del">
-        <pc:chgData name="Stephen Richard" userId="944a82e2ddcde9eb" providerId="LiveId" clId="{0A11CC00-4ABB-4B9E-B9A9-26E9D88C5DC2}" dt="2025-08-20T22:11:09.169" v="140" actId="47"/>
-        <pc:sldMkLst>
-          <pc:docMk/>
-          <pc:sldMk cId="488282388" sldId="259"/>
-        </pc:sldMkLst>
-      </pc:sldChg>
-      <pc:sldChg chg="del">
-        <pc:chgData name="Stephen Richard" userId="944a82e2ddcde9eb" providerId="LiveId" clId="{0A11CC00-4ABB-4B9E-B9A9-26E9D88C5DC2}" dt="2025-08-20T22:11:04.627" v="138" actId="47"/>
-        <pc:sldMkLst>
-          <pc:docMk/>
-          <pc:sldMk cId="3100671437" sldId="260"/>
-        </pc:sldMkLst>
-      </pc:sldChg>
-      <pc:sldChg chg="addSp delSp modSp mod delAnim modAnim">
-        <pc:chgData name="Stephen Richard" userId="944a82e2ddcde9eb" providerId="LiveId" clId="{0A11CC00-4ABB-4B9E-B9A9-26E9D88C5DC2}" dt="2025-08-22T14:59:17.288" v="2018" actId="20577"/>
-        <pc:sldMkLst>
-          <pc:docMk/>
-          <pc:sldMk cId="3136485173" sldId="261"/>
-        </pc:sldMkLst>
-        <pc:spChg chg="mod">
-          <ac:chgData name="Stephen Richard" userId="944a82e2ddcde9eb" providerId="LiveId" clId="{0A11CC00-4ABB-4B9E-B9A9-26E9D88C5DC2}" dt="2025-08-20T22:35:37.631" v="1166" actId="114"/>
-          <ac:spMkLst>
-            <pc:docMk/>
-            <pc:sldMk cId="3136485173" sldId="261"/>
-            <ac:spMk id="3" creationId="{A40F4241-ADD3-5BE5-0E68-924C5AD8DBE9}"/>
-          </ac:spMkLst>
-        </pc:spChg>
-        <pc:spChg chg="add mod">
-          <ac:chgData name="Stephen Richard" userId="944a82e2ddcde9eb" providerId="LiveId" clId="{0A11CC00-4ABB-4B9E-B9A9-26E9D88C5DC2}" dt="2025-08-22T14:59:17.288" v="2018" actId="20577"/>
-          <ac:spMkLst>
-            <pc:docMk/>
-            <pc:sldMk cId="3136485173" sldId="261"/>
-            <ac:spMk id="5" creationId="{C009803F-82C7-60F5-5B74-7F4211B3FF20}"/>
-          </ac:spMkLst>
-        </pc:spChg>
-      </pc:sldChg>
-      <pc:sldChg chg="modSp del">
-        <pc:chgData name="Stephen Richard" userId="944a82e2ddcde9eb" providerId="LiveId" clId="{0A11CC00-4ABB-4B9E-B9A9-26E9D88C5DC2}" dt="2025-08-22T15:02:15.590" v="2038" actId="47"/>
-        <pc:sldMkLst>
-          <pc:docMk/>
-          <pc:sldMk cId="769799595" sldId="265"/>
-        </pc:sldMkLst>
-        <pc:spChg chg="mod">
-          <ac:chgData name="Stephen Richard" userId="944a82e2ddcde9eb" providerId="LiveId" clId="{0A11CC00-4ABB-4B9E-B9A9-26E9D88C5DC2}" dt="2025-08-20T22:12:00.580" v="160" actId="313"/>
-          <ac:spMkLst>
-            <pc:docMk/>
-            <pc:sldMk cId="769799595" sldId="265"/>
-            <ac:spMk id="3" creationId="{BDDD252B-F787-E3BA-42F0-D3F8F62A743F}"/>
-          </ac:spMkLst>
-        </pc:spChg>
-      </pc:sldChg>
-      <pc:sldChg chg="del">
-        <pc:chgData name="Stephen Richard" userId="944a82e2ddcde9eb" providerId="LiveId" clId="{0A11CC00-4ABB-4B9E-B9A9-26E9D88C5DC2}" dt="2025-08-20T22:11:17.801" v="141" actId="47"/>
-        <pc:sldMkLst>
-          <pc:docMk/>
-          <pc:sldMk cId="2677795319" sldId="266"/>
-        </pc:sldMkLst>
-      </pc:sldChg>
-      <pc:sldChg chg="del">
-        <pc:chgData name="Stephen Richard" userId="944a82e2ddcde9eb" providerId="LiveId" clId="{0A11CC00-4ABB-4B9E-B9A9-26E9D88C5DC2}" dt="2025-08-20T22:11:19.631" v="142" actId="47"/>
-        <pc:sldMkLst>
-          <pc:docMk/>
-          <pc:sldMk cId="2604088419" sldId="267"/>
-        </pc:sldMkLst>
-      </pc:sldChg>
-      <pc:sldChg chg="addSp modSp new mod modAnim">
-        <pc:chgData name="Stephen Richard" userId="944a82e2ddcde9eb" providerId="LiveId" clId="{0A11CC00-4ABB-4B9E-B9A9-26E9D88C5DC2}" dt="2025-08-22T15:00:18.441" v="2021"/>
-        <pc:sldMkLst>
-          <pc:docMk/>
-          <pc:sldMk cId="622466549" sldId="269"/>
-        </pc:sldMkLst>
-        <pc:spChg chg="mod">
-          <ac:chgData name="Stephen Richard" userId="944a82e2ddcde9eb" providerId="LiveId" clId="{0A11CC00-4ABB-4B9E-B9A9-26E9D88C5DC2}" dt="2025-08-20T22:36:15.087" v="1167" actId="108"/>
-          <ac:spMkLst>
-            <pc:docMk/>
-            <pc:sldMk cId="622466549" sldId="269"/>
-            <ac:spMk id="2" creationId="{9D51FA15-9498-9596-55D0-3C2CDC75B568}"/>
-          </ac:spMkLst>
-        </pc:spChg>
-        <pc:spChg chg="mod">
-          <ac:chgData name="Stephen Richard" userId="944a82e2ddcde9eb" providerId="LiveId" clId="{0A11CC00-4ABB-4B9E-B9A9-26E9D88C5DC2}" dt="2025-08-20T22:25:12.125" v="730" actId="2710"/>
-          <ac:spMkLst>
-            <pc:docMk/>
-            <pc:sldMk cId="622466549" sldId="269"/>
-            <ac:spMk id="3" creationId="{3D2D5D84-01FB-2203-19C6-AE8203A4F9DF}"/>
-          </ac:spMkLst>
-        </pc:spChg>
-        <pc:spChg chg="add mod">
-          <ac:chgData name="Stephen Richard" userId="944a82e2ddcde9eb" providerId="LiveId" clId="{0A11CC00-4ABB-4B9E-B9A9-26E9D88C5DC2}" dt="2025-08-22T15:00:03.960" v="2020" actId="113"/>
-          <ac:spMkLst>
-            <pc:docMk/>
-            <pc:sldMk cId="622466549" sldId="269"/>
-            <ac:spMk id="4" creationId="{714E8269-DE1C-57AF-2401-AC673EABB00D}"/>
-          </ac:spMkLst>
-        </pc:spChg>
-        <pc:spChg chg="add mod">
-          <ac:chgData name="Stephen Richard" userId="944a82e2ddcde9eb" providerId="LiveId" clId="{0A11CC00-4ABB-4B9E-B9A9-26E9D88C5DC2}" dt="2025-08-20T22:26:25.533" v="745" actId="1076"/>
-          <ac:spMkLst>
-            <pc:docMk/>
-            <pc:sldMk cId="622466549" sldId="269"/>
-            <ac:spMk id="6" creationId="{2F471134-44D5-EFE5-78D4-A47A1741167A}"/>
-          </ac:spMkLst>
-        </pc:spChg>
-        <pc:picChg chg="add mod">
-          <ac:chgData name="Stephen Richard" userId="944a82e2ddcde9eb" providerId="LiveId" clId="{0A11CC00-4ABB-4B9E-B9A9-26E9D88C5DC2}" dt="2025-08-20T22:26:25.533" v="745" actId="1076"/>
-          <ac:picMkLst>
-            <pc:docMk/>
-            <pc:sldMk cId="622466549" sldId="269"/>
-            <ac:picMk id="5" creationId="{C1FC9054-264C-51ED-1343-61545B47DFBD}"/>
-          </ac:picMkLst>
-        </pc:picChg>
-      </pc:sldChg>
-      <pc:sldChg chg="addSp delSp modSp new mod">
-        <pc:chgData name="Stephen Richard" userId="944a82e2ddcde9eb" providerId="LiveId" clId="{0A11CC00-4ABB-4B9E-B9A9-26E9D88C5DC2}" dt="2025-08-22T15:00:49.354" v="2036" actId="20577"/>
-        <pc:sldMkLst>
-          <pc:docMk/>
-          <pc:sldMk cId="1992298396" sldId="270"/>
-        </pc:sldMkLst>
-        <pc:spChg chg="mod">
-          <ac:chgData name="Stephen Richard" userId="944a82e2ddcde9eb" providerId="LiveId" clId="{0A11CC00-4ABB-4B9E-B9A9-26E9D88C5DC2}" dt="2025-08-20T22:36:26.207" v="1169" actId="27636"/>
-          <ac:spMkLst>
-            <pc:docMk/>
-            <pc:sldMk cId="1992298396" sldId="270"/>
-            <ac:spMk id="2" creationId="{2978325B-E94B-8DD8-BA4B-7F741CCEF2F2}"/>
-          </ac:spMkLst>
-        </pc:spChg>
-        <pc:spChg chg="add mod">
-          <ac:chgData name="Stephen Richard" userId="944a82e2ddcde9eb" providerId="LiveId" clId="{0A11CC00-4ABB-4B9E-B9A9-26E9D88C5DC2}" dt="2025-08-22T15:00:49.354" v="2036" actId="20577"/>
-          <ac:spMkLst>
-            <pc:docMk/>
-            <pc:sldMk cId="1992298396" sldId="270"/>
-            <ac:spMk id="11" creationId="{17D8A109-5032-5F91-C86E-692DD6122BC0}"/>
-          </ac:spMkLst>
-        </pc:spChg>
-      </pc:sldChg>
-      <pc:sldChg chg="modSp new del mod">
-        <pc:chgData name="Stephen Richard" userId="944a82e2ddcde9eb" providerId="LiveId" clId="{0A11CC00-4ABB-4B9E-B9A9-26E9D88C5DC2}" dt="2025-08-20T23:19:13.774" v="1807" actId="47"/>
-        <pc:sldMkLst>
-          <pc:docMk/>
-          <pc:sldMk cId="3283271251" sldId="271"/>
-        </pc:sldMkLst>
-      </pc:sldChg>
-      <pc:sldChg chg="addSp modSp add mod">
-        <pc:chgData name="Stephen Richard" userId="944a82e2ddcde9eb" providerId="LiveId" clId="{0A11CC00-4ABB-4B9E-B9A9-26E9D88C5DC2}" dt="2025-08-20T23:18:54.352" v="1800" actId="14100"/>
-        <pc:sldMkLst>
-          <pc:docMk/>
-          <pc:sldMk cId="2962601084" sldId="272"/>
-        </pc:sldMkLst>
-        <pc:spChg chg="mod">
-          <ac:chgData name="Stephen Richard" userId="944a82e2ddcde9eb" providerId="LiveId" clId="{0A11CC00-4ABB-4B9E-B9A9-26E9D88C5DC2}" dt="2025-08-20T23:13:48.480" v="1693" actId="20577"/>
-          <ac:spMkLst>
-            <pc:docMk/>
-            <pc:sldMk cId="2962601084" sldId="272"/>
-            <ac:spMk id="2" creationId="{AA2A9274-B2C2-54E5-2E08-3BCB8B7F75CB}"/>
-          </ac:spMkLst>
-        </pc:spChg>
-        <pc:spChg chg="add mod">
-          <ac:chgData name="Stephen Richard" userId="944a82e2ddcde9eb" providerId="LiveId" clId="{0A11CC00-4ABB-4B9E-B9A9-26E9D88C5DC2}" dt="2025-08-20T23:16:14.040" v="1766" actId="20577"/>
-          <ac:spMkLst>
-            <pc:docMk/>
-            <pc:sldMk cId="2962601084" sldId="272"/>
-            <ac:spMk id="3" creationId="{F4693D1F-02EC-3E3B-1910-1CD86AF1E957}"/>
-          </ac:spMkLst>
-        </pc:spChg>
-        <pc:spChg chg="mod">
-          <ac:chgData name="Stephen Richard" userId="944a82e2ddcde9eb" providerId="LiveId" clId="{0A11CC00-4ABB-4B9E-B9A9-26E9D88C5DC2}" dt="2025-08-20T23:18:54.352" v="1800" actId="14100"/>
-          <ac:spMkLst>
-            <pc:docMk/>
-            <pc:sldMk cId="2962601084" sldId="272"/>
-            <ac:spMk id="11" creationId="{2B70EF54-CAF1-9718-8546-1C1377E9C5AA}"/>
-          </ac:spMkLst>
-        </pc:spChg>
-      </pc:sldChg>
-      <pc:sldChg chg="modSp add mod ord">
-        <pc:chgData name="Stephen Richard" userId="944a82e2ddcde9eb" providerId="LiveId" clId="{0A11CC00-4ABB-4B9E-B9A9-26E9D88C5DC2}" dt="2025-08-22T15:01:41.451" v="2037" actId="20577"/>
+        <pc:chgData name="Stephen Richard" userId="944a82e2ddcde9eb" providerId="LiveId" clId="{AB78EA51-4DAA-45DE-80C8-4A89365C0722}" dt="2025-11-17T07:11:30.817" v="69" actId="6549"/>
         <pc:sldMkLst>
           <pc:docMk/>
           <pc:sldMk cId="3580986198" sldId="273"/>
         </pc:sldMkLst>
         <pc:spChg chg="mod">
-          <ac:chgData name="Stephen Richard" userId="944a82e2ddcde9eb" providerId="LiveId" clId="{0A11CC00-4ABB-4B9E-B9A9-26E9D88C5DC2}" dt="2025-08-20T23:19:28.424" v="1822" actId="20577"/>
-          <ac:spMkLst>
-            <pc:docMk/>
-            <pc:sldMk cId="3580986198" sldId="273"/>
-            <ac:spMk id="2" creationId="{F2840496-86C1-221E-3616-623EDF594072}"/>
-          </ac:spMkLst>
-        </pc:spChg>
-        <pc:spChg chg="mod">
-          <ac:chgData name="Stephen Richard" userId="944a82e2ddcde9eb" providerId="LiveId" clId="{0A11CC00-4ABB-4B9E-B9A9-26E9D88C5DC2}" dt="2025-08-22T15:01:41.451" v="2037" actId="20577"/>
+          <ac:chgData name="Stephen Richard" userId="944a82e2ddcde9eb" providerId="LiveId" clId="{AB78EA51-4DAA-45DE-80C8-4A89365C0722}" dt="2025-11-17T07:11:30.817" v="69" actId="6549"/>
           <ac:spMkLst>
             <pc:docMk/>
             <pc:sldMk cId="3580986198" sldId="273"/>
@@ -714,7 +471,7 @@
             <a:fld id="{8256C2ED-54A4-480D-B5C8-65C0D62359B9}" type="datetime2">
               <a:rPr lang="en-US" smtClean="0"/>
               <a:pPr/>
-              <a:t>Friday, August 22, 2025</a:t>
+              <a:t>Monday, November 17, 2025</a:t>
             </a:fld>
             <a:endParaRPr lang="en-US" dirty="0"/>
           </a:p>
@@ -873,7 +630,7 @@
           <a:p>
             <a:fld id="{53CF612A-4CB0-4F57-9A87-F049CECB184D}" type="datetime2">
               <a:rPr lang="en-US" smtClean="0"/>
-              <a:t>Friday, August 22, 2025</a:t>
+              <a:t>Monday, November 17, 2025</a:t>
             </a:fld>
             <a:endParaRPr lang="en-US"/>
           </a:p>
@@ -1094,7 +851,7 @@
           <a:p>
             <a:fld id="{8F397F40-C8F7-4897-A6B8-241042F913A9}" type="datetime2">
               <a:rPr lang="en-US" smtClean="0"/>
-              <a:t>Friday, August 22, 2025</a:t>
+              <a:t>Monday, November 17, 2025</a:t>
             </a:fld>
             <a:endParaRPr lang="en-US"/>
           </a:p>
@@ -1417,7 +1174,7 @@
             <a:fld id="{8256C2ED-54A4-480D-B5C8-65C0D62359B9}" type="datetime2">
               <a:rPr lang="en-US" smtClean="0"/>
               <a:pPr/>
-              <a:t>Friday, August 22, 2025</a:t>
+              <a:t>Monday, November 17, 2025</a:t>
             </a:fld>
             <a:endParaRPr lang="en-US" dirty="0"/>
           </a:p>
@@ -1652,7 +1409,7 @@
           <a:p>
             <a:fld id="{10EDCA73-0A86-4195-A787-75037827079D}" type="datetime2">
               <a:rPr lang="en-US" smtClean="0"/>
-              <a:t>Friday, August 22, 2025</a:t>
+              <a:t>Monday, November 17, 2025</a:t>
             </a:fld>
             <a:endParaRPr lang="en-US"/>
           </a:p>
@@ -2003,7 +1760,7 @@
           <a:p>
             <a:fld id="{83C75374-B296-498E-A935-80631EA9020D}" type="datetime2">
               <a:rPr lang="en-US" smtClean="0"/>
-              <a:t>Friday, August 22, 2025</a:t>
+              <a:t>Monday, November 17, 2025</a:t>
             </a:fld>
             <a:endParaRPr lang="en-US"/>
           </a:p>
@@ -2443,7 +2200,7 @@
           <a:p>
             <a:fld id="{B098B728-214A-4ABC-8432-5B3A5A66A987}" type="datetime2">
               <a:rPr lang="en-US" smtClean="0"/>
-              <a:t>Friday, August 22, 2025</a:t>
+              <a:t>Monday, November 17, 2025</a:t>
             </a:fld>
             <a:endParaRPr lang="en-US" dirty="0"/>
           </a:p>
@@ -2601,7 +2358,7 @@
           <a:p>
             <a:fld id="{015F02D0-6806-43AF-9888-2359BF40C204}" type="datetime2">
               <a:rPr lang="en-US" smtClean="0"/>
-              <a:t>Friday, August 22, 2025</a:t>
+              <a:t>Monday, November 17, 2025</a:t>
             </a:fld>
             <a:endParaRPr lang="en-US"/>
           </a:p>
@@ -2725,7 +2482,7 @@
           <a:p>
             <a:fld id="{8EE14D2D-B1AF-4197-82D6-FC1F8BD05681}" type="datetime2">
               <a:rPr lang="en-US" smtClean="0"/>
-              <a:t>Friday, August 22, 2025</a:t>
+              <a:t>Monday, November 17, 2025</a:t>
             </a:fld>
             <a:endParaRPr lang="en-US"/>
           </a:p>
@@ -3053,7 +2810,7 @@
           <a:p>
             <a:fld id="{98771CEB-9838-4245-91B8-EFBAFE2D8B44}" type="datetime2">
               <a:rPr lang="en-US" smtClean="0"/>
-              <a:t>Friday, August 22, 2025</a:t>
+              <a:t>Monday, November 17, 2025</a:t>
             </a:fld>
             <a:endParaRPr lang="en-US"/>
           </a:p>
@@ -3361,7 +3118,7 @@
           <a:p>
             <a:fld id="{51D3F6BF-A585-41F8-88DF-7E5D069F892A}" type="datetime2">
               <a:rPr lang="en-US" smtClean="0"/>
-              <a:t>Friday, August 22, 2025</a:t>
+              <a:t>Monday, November 17, 2025</a:t>
             </a:fld>
             <a:endParaRPr lang="en-US"/>
           </a:p>
@@ -3704,7 +3461,7 @@
             <a:fld id="{8256C2ED-54A4-480D-B5C8-65C0D62359B9}" type="datetime2">
               <a:rPr lang="en-US" smtClean="0"/>
               <a:pPr/>
-              <a:t>Friday, August 22, 2025</a:t>
+              <a:t>Monday, November 17, 2025</a:t>
             </a:fld>
             <a:endParaRPr lang="en-US" dirty="0"/>
           </a:p>
@@ -6095,7 +5852,15 @@
                   <a:schemeClr val="tx1"/>
                 </a:solidFill>
               </a:rPr>
-              <a:t>nxXAS</a:t>
+              <a:t>NXxas</a:t>
+            </a:r>
+            <a:r>
+              <a:rPr lang="en-US" sz="2800">
+                <a:solidFill>
+                  <a:schemeClr val="tx1"/>
+                </a:solidFill>
+              </a:rPr>
+              <a:t> profile</a:t>
             </a:r>
             <a:endParaRPr lang="en-US" sz="2800" dirty="0">
               <a:solidFill>
@@ -6525,23 +6290,7 @@
                   <a:schemeClr val="tx1"/>
                 </a:solidFill>
               </a:rPr>
-              <a:t>For XDI use DDI-CDI </a:t>
-            </a:r>
-            <a:r>
-              <a:rPr lang="en-US" sz="2800" dirty="0" err="1">
-                <a:solidFill>
-                  <a:schemeClr val="tx1"/>
-                </a:solidFill>
-              </a:rPr>
-              <a:t>WideDataStructure</a:t>
-            </a:r>
-            <a:r>
-              <a:rPr lang="en-US" sz="2800" dirty="0">
-                <a:solidFill>
-                  <a:schemeClr val="tx1"/>
-                </a:solidFill>
-              </a:rPr>
-              <a:t> description</a:t>
+              <a:t>For XDI use DDI-CDI  Tabular Text structure description</a:t>
             </a:r>
           </a:p>
           <a:p>
@@ -6556,24 +6305,21 @@
                   <a:schemeClr val="tx1"/>
                 </a:solidFill>
               </a:rPr>
-              <a:t>For NEXUS use DDI-CDI </a:t>
-            </a:r>
-            <a:r>
-              <a:rPr lang="en-US" sz="2800" dirty="0" err="1">
+              <a:t>For NEXUS use DDI-CDI  </a:t>
+            </a:r>
+            <a:r>
+              <a:rPr lang="en-US" sz="2800">
                 <a:solidFill>
                   <a:schemeClr val="tx1"/>
                 </a:solidFill>
               </a:rPr>
-              <a:t>DimensionalDataStructure</a:t>
-            </a:r>
-            <a:r>
-              <a:rPr lang="en-US" sz="2800" dirty="0">
-                <a:solidFill>
-                  <a:schemeClr val="tx1"/>
-                </a:solidFill>
-              </a:rPr>
-              <a:t> description</a:t>
-            </a:r>
+              <a:t>Structured Data description</a:t>
+            </a:r>
+            <a:endParaRPr lang="en-US" sz="2800" dirty="0">
+              <a:solidFill>
+                <a:schemeClr val="tx1"/>
+              </a:solidFill>
+            </a:endParaRPr>
           </a:p>
         </p:txBody>
       </p:sp>
